--- a/docs/slides/SetBudget.pptx
+++ b/docs/slides/SetBudget.pptx
@@ -208,7 +208,7 @@
           <a:p>
             <a:fld id="{9629A0FB-7277-41B0-BEC2-EE35F8B0CE39}" type="datetimeFigureOut">
               <a:rPr lang="en-SG" smtClean="0"/>
-              <a:t>2/4/2020</a:t>
+              <a:t>5/4/2020</a:t>
             </a:fld>
             <a:endParaRPr lang="en-SG"/>
           </a:p>
@@ -3877,76 +3877,6 @@
       </p:sp>
       <p:sp>
         <p:nvSpPr>
-          <p:cNvPr id="6" name="Text Box 11"/>
-          <p:cNvSpPr txBox="1">
-            <a:spLocks noChangeArrowheads="1"/>
-          </p:cNvSpPr>
-          <p:nvPr/>
-        </p:nvSpPr>
-        <p:spPr bwMode="auto">
-          <a:xfrm>
-            <a:off x="2571683" y="1515750"/>
-            <a:ext cx="967275" cy="600164"/>
-          </a:xfrm>
-          <a:prstGeom prst="rect">
-            <a:avLst/>
-          </a:prstGeom>
-          <a:solidFill>
-            <a:schemeClr val="accent4">
-              <a:lumMod val="40000"/>
-              <a:lumOff val="60000"/>
-            </a:schemeClr>
-          </a:solidFill>
-          <a:ln w="19050">
-            <a:solidFill>
-              <a:schemeClr val="accent4">
-                <a:lumMod val="75000"/>
-              </a:schemeClr>
-            </a:solidFill>
-            <a:headEnd/>
-            <a:tailEnd/>
-          </a:ln>
-        </p:spPr>
-        <p:style>
-          <a:lnRef idx="1">
-            <a:schemeClr val="accent4"/>
-          </a:lnRef>
-          <a:fillRef idx="2">
-            <a:schemeClr val="accent4"/>
-          </a:fillRef>
-          <a:effectRef idx="1">
-            <a:schemeClr val="accent4"/>
-          </a:effectRef>
-          <a:fontRef idx="minor">
-            <a:schemeClr val="dk1"/>
-          </a:fontRef>
-        </p:style>
-        <p:txBody>
-          <a:bodyPr wrap="square" tIns="182880" bIns="182880">
-            <a:spAutoFit/>
-          </a:bodyPr>
-          <a:lstStyle/>
-          <a:p>
-            <a:pPr algn="ctr" defTabSz="872733">
-              <a:spcBef>
-                <a:spcPct val="50000"/>
-              </a:spcBef>
-              <a:buFont typeface="Wingdings" pitchFamily="2" charset="2"/>
-              <a:buNone/>
-            </a:pPr>
-            <a:r>
-              <a:rPr lang="en-US" sz="1500" dirty="0">
-                <a:solidFill>
-                  <a:prstClr val="black"/>
-                </a:solidFill>
-              </a:rPr>
-              <a:t>:Parser</a:t>
-            </a:r>
-          </a:p>
-        </p:txBody>
-      </p:sp>
-      <p:sp>
-        <p:nvSpPr>
           <p:cNvPr id="18" name="Text Box 11"/>
           <p:cNvSpPr txBox="1">
             <a:spLocks noChangeArrowheads="1"/>
@@ -4120,7 +4050,7 @@
         </p:nvSpPr>
         <p:spPr bwMode="auto">
           <a:xfrm>
-            <a:off x="6654694" y="4216345"/>
+            <a:off x="6654694" y="4401235"/>
             <a:ext cx="1766349" cy="323165"/>
           </a:xfrm>
           <a:prstGeom prst="rect">
@@ -4443,163 +4373,6 @@
       </p:sp>
       <p:sp>
         <p:nvSpPr>
-          <p:cNvPr id="42" name="Text Box 11">
-            <a:extLst>
-              <a:ext uri="{FF2B5EF4-FFF2-40B4-BE49-F238E27FC236}">
-                <a16:creationId xmlns:a16="http://schemas.microsoft.com/office/drawing/2014/main" id="{569EC1FF-3CDF-4E6B-82B3-104CCA3F3E9D}"/>
-              </a:ext>
-            </a:extLst>
-          </p:cNvPr>
-          <p:cNvSpPr txBox="1">
-            <a:spLocks noChangeArrowheads="1"/>
-          </p:cNvSpPr>
-          <p:nvPr/>
-        </p:nvSpPr>
-        <p:spPr bwMode="auto">
-          <a:xfrm>
-            <a:off x="7408331" y="3481231"/>
-            <a:ext cx="1676400" cy="600164"/>
-          </a:xfrm>
-          <a:prstGeom prst="rect">
-            <a:avLst/>
-          </a:prstGeom>
-          <a:solidFill>
-            <a:schemeClr val="bg2">
-              <a:lumMod val="75000"/>
-            </a:schemeClr>
-          </a:solidFill>
-          <a:ln w="19050">
-            <a:solidFill>
-              <a:schemeClr val="bg2">
-                <a:lumMod val="50000"/>
-              </a:schemeClr>
-            </a:solidFill>
-            <a:headEnd/>
-            <a:tailEnd/>
-          </a:ln>
-        </p:spPr>
-        <p:style>
-          <a:lnRef idx="1">
-            <a:schemeClr val="accent4"/>
-          </a:lnRef>
-          <a:fillRef idx="2">
-            <a:schemeClr val="accent4"/>
-          </a:fillRef>
-          <a:effectRef idx="1">
-            <a:schemeClr val="accent4"/>
-          </a:effectRef>
-          <a:fontRef idx="minor">
-            <a:schemeClr val="dk1"/>
-          </a:fontRef>
-        </p:style>
-        <p:txBody>
-          <a:bodyPr wrap="square" tIns="182880" bIns="182880">
-            <a:spAutoFit/>
-          </a:bodyPr>
-          <a:lstStyle/>
-          <a:p>
-            <a:pPr algn="ctr" defTabSz="872733">
-              <a:spcBef>
-                <a:spcPct val="50000"/>
-              </a:spcBef>
-              <a:buFont typeface="Wingdings" pitchFamily="2" charset="2"/>
-              <a:buNone/>
-            </a:pPr>
-            <a:r>
-              <a:rPr lang="en-US" sz="1500" dirty="0" err="1">
-                <a:solidFill>
-                  <a:prstClr val="black"/>
-                </a:solidFill>
-              </a:rPr>
-              <a:t>myBudget:Budget</a:t>
-            </a:r>
-            <a:endParaRPr lang="en-US" sz="1500" dirty="0">
-              <a:solidFill>
-                <a:prstClr val="black"/>
-              </a:solidFill>
-            </a:endParaRPr>
-          </a:p>
-        </p:txBody>
-      </p:sp>
-      <p:sp>
-        <p:nvSpPr>
-          <p:cNvPr id="43" name="Text Box 11">
-            <a:extLst>
-              <a:ext uri="{FF2B5EF4-FFF2-40B4-BE49-F238E27FC236}">
-                <a16:creationId xmlns:a16="http://schemas.microsoft.com/office/drawing/2014/main" id="{79ACA4C9-9678-4611-AE49-25FE7CAE8B35}"/>
-              </a:ext>
-            </a:extLst>
-          </p:cNvPr>
-          <p:cNvSpPr txBox="1">
-            <a:spLocks noChangeArrowheads="1"/>
-          </p:cNvSpPr>
-          <p:nvPr/>
-        </p:nvSpPr>
-        <p:spPr bwMode="auto">
-          <a:xfrm>
-            <a:off x="117858" y="798625"/>
-            <a:ext cx="1295400" cy="600164"/>
-          </a:xfrm>
-          <a:prstGeom prst="rect">
-            <a:avLst/>
-          </a:prstGeom>
-          <a:solidFill>
-            <a:schemeClr val="accent2">
-              <a:lumMod val="40000"/>
-              <a:lumOff val="60000"/>
-            </a:schemeClr>
-          </a:solidFill>
-          <a:ln w="19050">
-            <a:solidFill>
-              <a:schemeClr val="accent2">
-                <a:lumMod val="60000"/>
-                <a:lumOff val="40000"/>
-              </a:schemeClr>
-            </a:solidFill>
-            <a:headEnd/>
-            <a:tailEnd/>
-          </a:ln>
-        </p:spPr>
-        <p:style>
-          <a:lnRef idx="1">
-            <a:schemeClr val="accent4"/>
-          </a:lnRef>
-          <a:fillRef idx="2">
-            <a:schemeClr val="accent4"/>
-          </a:fillRef>
-          <a:effectRef idx="1">
-            <a:schemeClr val="accent4"/>
-          </a:effectRef>
-          <a:fontRef idx="minor">
-            <a:schemeClr val="dk1"/>
-          </a:fontRef>
-        </p:style>
-        <p:txBody>
-          <a:bodyPr tIns="182880" bIns="182880">
-            <a:spAutoFit/>
-          </a:bodyPr>
-          <a:lstStyle/>
-          <a:p>
-            <a:pPr algn="ctr" defTabSz="872733">
-              <a:spcBef>
-                <a:spcPct val="50000"/>
-              </a:spcBef>
-              <a:buFont typeface="Wingdings" pitchFamily="2" charset="2"/>
-              <a:buNone/>
-            </a:pPr>
-            <a:r>
-              <a:rPr lang="en-US" sz="1500" dirty="0">
-                <a:solidFill>
-                  <a:prstClr val="black"/>
-                </a:solidFill>
-              </a:rPr>
-              <a:t>:Duke</a:t>
-            </a:r>
-          </a:p>
-        </p:txBody>
-      </p:sp>
-      <p:sp>
-        <p:nvSpPr>
           <p:cNvPr id="45" name="Line 15">
             <a:extLst>
               <a:ext uri="{FF2B5EF4-FFF2-40B4-BE49-F238E27FC236}">
@@ -4661,7 +4434,7 @@
         </p:nvSpPr>
         <p:spPr bwMode="auto">
           <a:xfrm>
-            <a:off x="6595906" y="4619420"/>
+            <a:off x="6595906" y="4724400"/>
             <a:ext cx="1695743" cy="0"/>
           </a:xfrm>
           <a:prstGeom prst="line">
@@ -4670,9 +4443,7 @@
           <a:noFill/>
           <a:ln w="19050">
             <a:solidFill>
-              <a:schemeClr val="bg2">
-                <a:lumMod val="50000"/>
-              </a:schemeClr>
+              <a:srgbClr val="002060"/>
             </a:solidFill>
             <a:round/>
             <a:headEnd/>
@@ -4952,9 +4723,7 @@
           </a:prstGeom>
           <a:ln>
             <a:solidFill>
-              <a:schemeClr val="bg2">
-                <a:lumMod val="50000"/>
-              </a:schemeClr>
+              <a:srgbClr val="002060"/>
             </a:solidFill>
             <a:prstDash val="sysDash"/>
             <a:headEnd/>
@@ -5147,9 +4916,7 @@
           <a:noFill/>
           <a:ln w="19050">
             <a:solidFill>
-              <a:schemeClr val="bg2">
-                <a:lumMod val="50000"/>
-              </a:schemeClr>
+              <a:srgbClr val="002060"/>
             </a:solidFill>
             <a:prstDash val="sysDash"/>
             <a:round/>
@@ -5167,6 +4934,261 @@
                 <a:prstClr val="black"/>
               </a:solidFill>
             </a:endParaRPr>
+          </a:p>
+        </p:txBody>
+      </p:sp>
+      <p:sp>
+        <p:nvSpPr>
+          <p:cNvPr id="28" name="Google Shape;58;p14">
+            <a:extLst>
+              <a:ext uri="{FF2B5EF4-FFF2-40B4-BE49-F238E27FC236}">
+                <a16:creationId xmlns:a16="http://schemas.microsoft.com/office/drawing/2014/main" id="{3ACE7E73-9E8D-46BA-883A-A372EE754760}"/>
+              </a:ext>
+            </a:extLst>
+          </p:cNvPr>
+          <p:cNvSpPr/>
+          <p:nvPr/>
+        </p:nvSpPr>
+        <p:spPr>
+          <a:xfrm>
+            <a:off x="154527" y="775802"/>
+            <a:ext cx="1148481" cy="637902"/>
+          </a:xfrm>
+          <a:prstGeom prst="rect">
+            <a:avLst/>
+          </a:prstGeom>
+          <a:gradFill flip="none" rotWithShape="1">
+            <a:gsLst>
+              <a:gs pos="0">
+                <a:srgbClr val="FF9999"/>
+              </a:gs>
+              <a:gs pos="50000">
+                <a:srgbClr val="FF7C80">
+                  <a:tint val="44500"/>
+                  <a:satMod val="160000"/>
+                </a:srgbClr>
+              </a:gs>
+              <a:gs pos="100000">
+                <a:srgbClr val="FF7C80">
+                  <a:tint val="23500"/>
+                  <a:satMod val="160000"/>
+                </a:srgbClr>
+              </a:gs>
+            </a:gsLst>
+            <a:lin ang="16200000" scaled="1"/>
+            <a:tileRect/>
+          </a:gradFill>
+          <a:ln w="19050" cap="flat" cmpd="sng">
+            <a:solidFill>
+              <a:srgbClr val="FF9999"/>
+            </a:solidFill>
+            <a:prstDash val="solid"/>
+            <a:round/>
+            <a:headEnd type="none" w="sm" len="sm"/>
+            <a:tailEnd type="none" w="sm" len="sm"/>
+          </a:ln>
+          <a:effectLst>
+            <a:outerShdw blurRad="40000" dist="20000" dir="5400000" rotWithShape="0">
+              <a:srgbClr val="000000">
+                <a:alpha val="37650"/>
+              </a:srgbClr>
+            </a:outerShdw>
+          </a:effectLst>
+        </p:spPr>
+        <p:txBody>
+          <a:bodyPr spcFirstLastPara="1" wrap="square" lIns="91425" tIns="45700" rIns="91425" bIns="45700" anchor="ctr" anchorCtr="0">
+            <a:noAutofit/>
+          </a:bodyPr>
+          <a:lstStyle/>
+          <a:p>
+            <a:pPr algn="ctr"/>
+            <a:r>
+              <a:rPr lang="en-SG" sz="1300" dirty="0">
+                <a:latin typeface="Calibri"/>
+                <a:ea typeface="Calibri"/>
+                <a:cs typeface="Calibri"/>
+                <a:sym typeface="Calibri"/>
+              </a:rPr>
+              <a:t>:Duke</a:t>
+            </a:r>
+            <a:endParaRPr sz="1300" dirty="0"/>
+          </a:p>
+        </p:txBody>
+      </p:sp>
+      <p:sp>
+        <p:nvSpPr>
+          <p:cNvPr id="32" name="Google Shape;59;p14">
+            <a:extLst>
+              <a:ext uri="{FF2B5EF4-FFF2-40B4-BE49-F238E27FC236}">
+                <a16:creationId xmlns:a16="http://schemas.microsoft.com/office/drawing/2014/main" id="{76AA9ABF-7B9D-4E90-97F9-2F25D542A7B7}"/>
+              </a:ext>
+            </a:extLst>
+          </p:cNvPr>
+          <p:cNvSpPr/>
+          <p:nvPr/>
+        </p:nvSpPr>
+        <p:spPr>
+          <a:xfrm>
+            <a:off x="2571684" y="1599246"/>
+            <a:ext cx="933516" cy="531003"/>
+          </a:xfrm>
+          <a:prstGeom prst="rect">
+            <a:avLst/>
+          </a:prstGeom>
+          <a:gradFill flip="none" rotWithShape="1">
+            <a:gsLst>
+              <a:gs pos="0">
+                <a:srgbClr val="990099">
+                  <a:tint val="66000"/>
+                  <a:satMod val="160000"/>
+                </a:srgbClr>
+              </a:gs>
+              <a:gs pos="50000">
+                <a:srgbClr val="990099">
+                  <a:tint val="44500"/>
+                  <a:satMod val="160000"/>
+                </a:srgbClr>
+              </a:gs>
+              <a:gs pos="100000">
+                <a:srgbClr val="990099">
+                  <a:tint val="23500"/>
+                  <a:satMod val="160000"/>
+                </a:srgbClr>
+              </a:gs>
+            </a:gsLst>
+            <a:lin ang="16200000" scaled="1"/>
+            <a:tileRect/>
+          </a:gradFill>
+          <a:ln w="19050" cap="flat" cmpd="sng">
+            <a:solidFill>
+              <a:srgbClr val="CF92CF"/>
+            </a:solidFill>
+            <a:prstDash val="solid"/>
+            <a:round/>
+            <a:headEnd type="none" w="sm" len="sm"/>
+            <a:tailEnd type="none" w="sm" len="sm"/>
+          </a:ln>
+          <a:effectLst>
+            <a:outerShdw blurRad="40000" dist="20000" dir="5400000" rotWithShape="0">
+              <a:srgbClr val="000000">
+                <a:alpha val="37650"/>
+              </a:srgbClr>
+            </a:outerShdw>
+          </a:effectLst>
+        </p:spPr>
+        <p:txBody>
+          <a:bodyPr spcFirstLastPara="1" wrap="square" lIns="91425" tIns="45700" rIns="91425" bIns="45700" anchor="ctr" anchorCtr="0">
+            <a:noAutofit/>
+          </a:bodyPr>
+          <a:lstStyle/>
+          <a:p>
+            <a:pPr algn="ctr"/>
+            <a:r>
+              <a:rPr lang="en" sz="1300" dirty="0">
+                <a:latin typeface="Calibri"/>
+                <a:ea typeface="Calibri"/>
+                <a:cs typeface="Calibri"/>
+                <a:sym typeface="Calibri"/>
+              </a:rPr>
+              <a:t>:Parser</a:t>
+            </a:r>
+            <a:endParaRPr sz="1300" dirty="0"/>
+          </a:p>
+        </p:txBody>
+      </p:sp>
+      <p:sp>
+        <p:nvSpPr>
+          <p:cNvPr id="35" name="Google Shape;64;p14">
+            <a:extLst>
+              <a:ext uri="{FF2B5EF4-FFF2-40B4-BE49-F238E27FC236}">
+                <a16:creationId xmlns:a16="http://schemas.microsoft.com/office/drawing/2014/main" id="{84209360-7151-4C4E-9534-B675EF53494B}"/>
+              </a:ext>
+            </a:extLst>
+          </p:cNvPr>
+          <p:cNvSpPr/>
+          <p:nvPr/>
+        </p:nvSpPr>
+        <p:spPr>
+          <a:xfrm>
+            <a:off x="7543800" y="3487267"/>
+            <a:ext cx="1504119" cy="703733"/>
+          </a:xfrm>
+          <a:prstGeom prst="rect">
+            <a:avLst/>
+          </a:prstGeom>
+          <a:gradFill flip="none" rotWithShape="1">
+            <a:gsLst>
+              <a:gs pos="0">
+                <a:srgbClr val="009999">
+                  <a:tint val="66000"/>
+                  <a:satMod val="160000"/>
+                </a:srgbClr>
+              </a:gs>
+              <a:gs pos="50000">
+                <a:srgbClr val="009999">
+                  <a:tint val="44500"/>
+                  <a:satMod val="160000"/>
+                </a:srgbClr>
+              </a:gs>
+              <a:gs pos="100000">
+                <a:srgbClr val="009999">
+                  <a:tint val="23500"/>
+                  <a:satMod val="160000"/>
+                </a:srgbClr>
+              </a:gs>
+            </a:gsLst>
+            <a:lin ang="16200000" scaled="1"/>
+            <a:tileRect/>
+          </a:gradFill>
+          <a:ln w="19050" cap="flat" cmpd="sng">
+            <a:solidFill>
+              <a:srgbClr val="009999"/>
+            </a:solidFill>
+            <a:prstDash val="solid"/>
+            <a:round/>
+            <a:headEnd type="none" w="sm" len="sm"/>
+            <a:tailEnd type="none" w="sm" len="sm"/>
+          </a:ln>
+          <a:effectLst>
+            <a:outerShdw blurRad="40000" dist="20000" dir="5400000" rotWithShape="0">
+              <a:srgbClr val="000000">
+                <a:alpha val="37650"/>
+              </a:srgbClr>
+            </a:outerShdw>
+          </a:effectLst>
+        </p:spPr>
+        <p:txBody>
+          <a:bodyPr spcFirstLastPara="1" wrap="square" lIns="91425" tIns="45700" rIns="91425" bIns="45700" anchor="ctr" anchorCtr="0">
+            <a:noAutofit/>
+          </a:bodyPr>
+          <a:lstStyle/>
+          <a:p>
+            <a:pPr algn="ctr"/>
+            <a:endParaRPr lang="en-US" sz="1400" dirty="0">
+              <a:solidFill>
+                <a:prstClr val="black"/>
+              </a:solidFill>
+            </a:endParaRPr>
+          </a:p>
+          <a:p>
+            <a:pPr algn="ctr"/>
+            <a:r>
+              <a:rPr lang="en-US" sz="1400" dirty="0" err="1">
+                <a:solidFill>
+                  <a:prstClr val="black"/>
+                </a:solidFill>
+              </a:rPr>
+              <a:t>myBudget:Budget</a:t>
+            </a:r>
+            <a:endParaRPr lang="en-US" sz="1400" dirty="0">
+              <a:solidFill>
+                <a:prstClr val="black"/>
+              </a:solidFill>
+            </a:endParaRPr>
+          </a:p>
+          <a:p>
+            <a:pPr algn="ctr"/>
+            <a:endParaRPr sz="1300" dirty="0"/>
           </a:p>
         </p:txBody>
       </p:sp>
@@ -5322,7 +5344,7 @@
                                           </p:stCondLst>
                                         </p:cTn>
                                         <p:tgtEl>
-                                          <p:spTgt spid="6"/>
+                                          <p:spTgt spid="18"/>
                                         </p:tgtEl>
                                         <p:attrNameLst>
                                           <p:attrName>style.visibility</p:attrName>
@@ -5349,7 +5371,7 @@
                                           </p:stCondLst>
                                         </p:cTn>
                                         <p:tgtEl>
-                                          <p:spTgt spid="18"/>
+                                          <p:spTgt spid="19"/>
                                         </p:tgtEl>
                                         <p:attrNameLst>
                                           <p:attrName>style.visibility</p:attrName>
@@ -5376,7 +5398,7 @@
                                           </p:stCondLst>
                                         </p:cTn>
                                         <p:tgtEl>
-                                          <p:spTgt spid="19"/>
+                                          <p:spTgt spid="20"/>
                                         </p:tgtEl>
                                         <p:attrNameLst>
                                           <p:attrName>style.visibility</p:attrName>
@@ -5403,7 +5425,7 @@
                                           </p:stCondLst>
                                         </p:cTn>
                                         <p:tgtEl>
-                                          <p:spTgt spid="20"/>
+                                          <p:spTgt spid="21"/>
                                         </p:tgtEl>
                                         <p:attrNameLst>
                                           <p:attrName>style.visibility</p:attrName>
@@ -5417,7 +5439,7 @@
                                 </p:cTn>
                               </p:par>
                               <p:par>
-                                <p:cTn id="21" presetID="1" presetClass="exit" presetSubtype="0" fill="hold" grpId="0" nodeType="withEffect">
+                                <p:cTn id="21" presetID="1" presetClass="exit" presetSubtype="0" fill="hold" grpId="1" nodeType="withEffect">
                                   <p:stCondLst>
                                     <p:cond delay="0"/>
                                   </p:stCondLst>
@@ -5430,7 +5452,7 @@
                                           </p:stCondLst>
                                         </p:cTn>
                                         <p:tgtEl>
-                                          <p:spTgt spid="21"/>
+                                          <p:spTgt spid="24"/>
                                         </p:tgtEl>
                                         <p:attrNameLst>
                                           <p:attrName>style.visibility</p:attrName>
@@ -5457,7 +5479,7 @@
                                           </p:stCondLst>
                                         </p:cTn>
                                         <p:tgtEl>
-                                          <p:spTgt spid="24"/>
+                                          <p:spTgt spid="25"/>
                                         </p:tgtEl>
                                         <p:attrNameLst>
                                           <p:attrName>style.visibility</p:attrName>
@@ -5484,7 +5506,7 @@
                                           </p:stCondLst>
                                         </p:cTn>
                                         <p:tgtEl>
-                                          <p:spTgt spid="25"/>
+                                          <p:spTgt spid="29"/>
                                         </p:tgtEl>
                                         <p:attrNameLst>
                                           <p:attrName>style.visibility</p:attrName>
@@ -5498,7 +5520,7 @@
                                 </p:cTn>
                               </p:par>
                               <p:par>
-                                <p:cTn id="27" presetID="1" presetClass="exit" presetSubtype="0" fill="hold" grpId="1" nodeType="withEffect">
+                                <p:cTn id="27" presetID="1" presetClass="exit" presetSubtype="0" fill="hold" grpId="0" nodeType="withEffect">
                                   <p:stCondLst>
                                     <p:cond delay="0"/>
                                   </p:stCondLst>
@@ -5511,7 +5533,7 @@
                                           </p:stCondLst>
                                         </p:cTn>
                                         <p:tgtEl>
-                                          <p:spTgt spid="29"/>
+                                          <p:spTgt spid="33"/>
                                         </p:tgtEl>
                                         <p:attrNameLst>
                                           <p:attrName>style.visibility</p:attrName>
@@ -5538,7 +5560,7 @@
                                           </p:stCondLst>
                                         </p:cTn>
                                         <p:tgtEl>
-                                          <p:spTgt spid="33"/>
+                                          <p:spTgt spid="34"/>
                                         </p:tgtEl>
                                         <p:attrNameLst>
                                           <p:attrName>style.visibility</p:attrName>
@@ -5565,33 +5587,6 @@
                                           </p:stCondLst>
                                         </p:cTn>
                                         <p:tgtEl>
-                                          <p:spTgt spid="34"/>
-                                        </p:tgtEl>
-                                        <p:attrNameLst>
-                                          <p:attrName>style.visibility</p:attrName>
-                                        </p:attrNameLst>
-                                      </p:cBhvr>
-                                      <p:to>
-                                        <p:strVal val="hidden"/>
-                                      </p:to>
-                                    </p:set>
-                                  </p:childTnLst>
-                                </p:cTn>
-                              </p:par>
-                              <p:par>
-                                <p:cTn id="33" presetID="1" presetClass="exit" presetSubtype="0" fill="hold" grpId="0" nodeType="withEffect">
-                                  <p:stCondLst>
-                                    <p:cond delay="0"/>
-                                  </p:stCondLst>
-                                  <p:childTnLst>
-                                    <p:set>
-                                      <p:cBhvr>
-                                        <p:cTn id="34" dur="1" fill="hold">
-                                          <p:stCondLst>
-                                            <p:cond delay="0"/>
-                                          </p:stCondLst>
-                                        </p:cTn>
-                                        <p:tgtEl>
                                           <p:spTgt spid="38"/>
                                         </p:tgtEl>
                                         <p:attrNameLst>
@@ -5605,8 +5600,26 @@
                                   </p:childTnLst>
                                 </p:cTn>
                               </p:par>
+                            </p:childTnLst>
+                          </p:cTn>
+                        </p:par>
+                      </p:childTnLst>
+                    </p:cTn>
+                  </p:par>
+                  <p:par>
+                    <p:cTn id="33" fill="hold">
+                      <p:stCondLst>
+                        <p:cond delay="indefinite"/>
+                      </p:stCondLst>
+                      <p:childTnLst>
+                        <p:par>
+                          <p:cTn id="34" fill="hold">
+                            <p:stCondLst>
+                              <p:cond delay="0"/>
+                            </p:stCondLst>
+                            <p:childTnLst>
                               <p:par>
-                                <p:cTn id="35" presetID="1" presetClass="exit" presetSubtype="0" fill="hold" grpId="0" nodeType="withEffect">
+                                <p:cTn id="35" presetID="1" presetClass="entr" presetSubtype="0" fill="hold" grpId="0" nodeType="clickEffect">
                                   <p:stCondLst>
                                     <p:cond delay="0"/>
                                   </p:stCondLst>
@@ -5619,21 +5632,21 @@
                                           </p:stCondLst>
                                         </p:cTn>
                                         <p:tgtEl>
-                                          <p:spTgt spid="42"/>
+                                          <p:spTgt spid="45"/>
                                         </p:tgtEl>
                                         <p:attrNameLst>
                                           <p:attrName>style.visibility</p:attrName>
                                         </p:attrNameLst>
                                       </p:cBhvr>
                                       <p:to>
-                                        <p:strVal val="hidden"/>
+                                        <p:strVal val="visible"/>
                                       </p:to>
                                     </p:set>
                                   </p:childTnLst>
                                 </p:cTn>
                               </p:par>
                               <p:par>
-                                <p:cTn id="37" presetID="1" presetClass="exit" presetSubtype="0" fill="hold" grpId="0" nodeType="withEffect">
+                                <p:cTn id="37" presetID="1" presetClass="exit" presetSubtype="0" fill="hold" grpId="1" nodeType="withEffect">
                                   <p:stCondLst>
                                     <p:cond delay="0"/>
                                   </p:stCondLst>
@@ -5646,7 +5659,7 @@
                                           </p:stCondLst>
                                         </p:cTn>
                                         <p:tgtEl>
-                                          <p:spTgt spid="43"/>
+                                          <p:spTgt spid="45"/>
                                         </p:tgtEl>
                                         <p:attrNameLst>
                                           <p:attrName>style.visibility</p:attrName>
@@ -5691,7 +5704,7 @@
                                           </p:stCondLst>
                                         </p:cTn>
                                         <p:tgtEl>
-                                          <p:spTgt spid="45"/>
+                                          <p:spTgt spid="46"/>
                                         </p:tgtEl>
                                         <p:attrNameLst>
                                           <p:attrName>style.visibility</p:attrName>
@@ -5718,7 +5731,7 @@
                                           </p:stCondLst>
                                         </p:cTn>
                                         <p:tgtEl>
-                                          <p:spTgt spid="45"/>
+                                          <p:spTgt spid="46"/>
                                         </p:tgtEl>
                                         <p:attrNameLst>
                                           <p:attrName>style.visibility</p:attrName>
@@ -5731,39 +5744,21 @@
                                   </p:childTnLst>
                                 </p:cTn>
                               </p:par>
-                            </p:childTnLst>
-                          </p:cTn>
-                        </p:par>
-                      </p:childTnLst>
-                    </p:cTn>
-                  </p:par>
-                  <p:par>
-                    <p:cTn id="45" fill="hold">
-                      <p:stCondLst>
-                        <p:cond delay="indefinite"/>
-                      </p:stCondLst>
-                      <p:childTnLst>
-                        <p:par>
-                          <p:cTn id="46" fill="hold">
-                            <p:stCondLst>
-                              <p:cond delay="0"/>
-                            </p:stCondLst>
-                            <p:childTnLst>
                               <p:par>
-                                <p:cTn id="47" presetID="1" presetClass="entr" presetSubtype="0" fill="hold" grpId="0" nodeType="clickEffect">
+                                <p:cTn id="45" presetID="1" presetClass="entr" presetSubtype="0" fill="hold" grpId="0" nodeType="withEffect">
                                   <p:stCondLst>
                                     <p:cond delay="0"/>
                                   </p:stCondLst>
                                   <p:childTnLst>
                                     <p:set>
                                       <p:cBhvr>
-                                        <p:cTn id="48" dur="1" fill="hold">
+                                        <p:cTn id="46" dur="1" fill="hold">
                                           <p:stCondLst>
                                             <p:cond delay="0"/>
                                           </p:stCondLst>
                                         </p:cTn>
                                         <p:tgtEl>
-                                          <p:spTgt spid="46"/>
+                                          <p:spTgt spid="47"/>
                                         </p:tgtEl>
                                         <p:attrNameLst>
                                           <p:attrName>style.visibility</p:attrName>
@@ -5777,7 +5772,34 @@
                                 </p:cTn>
                               </p:par>
                               <p:par>
-                                <p:cTn id="49" presetID="1" presetClass="exit" presetSubtype="0" fill="hold" grpId="1" nodeType="withEffect">
+                                <p:cTn id="47" presetID="1" presetClass="exit" presetSubtype="0" fill="hold" grpId="1" nodeType="withEffect">
+                                  <p:stCondLst>
+                                    <p:cond delay="0"/>
+                                  </p:stCondLst>
+                                  <p:childTnLst>
+                                    <p:set>
+                                      <p:cBhvr>
+                                        <p:cTn id="48" dur="1" fill="hold">
+                                          <p:stCondLst>
+                                            <p:cond delay="0"/>
+                                          </p:stCondLst>
+                                        </p:cTn>
+                                        <p:tgtEl>
+                                          <p:spTgt spid="47"/>
+                                        </p:tgtEl>
+                                        <p:attrNameLst>
+                                          <p:attrName>style.visibility</p:attrName>
+                                        </p:attrNameLst>
+                                      </p:cBhvr>
+                                      <p:to>
+                                        <p:strVal val="hidden"/>
+                                      </p:to>
+                                    </p:set>
+                                  </p:childTnLst>
+                                </p:cTn>
+                              </p:par>
+                              <p:par>
+                                <p:cTn id="49" presetID="1" presetClass="exit" presetSubtype="0" fill="hold" grpId="0" nodeType="withEffect">
                                   <p:stCondLst>
                                     <p:cond delay="0"/>
                                   </p:stCondLst>
@@ -5790,7 +5812,7 @@
                                           </p:stCondLst>
                                         </p:cTn>
                                         <p:tgtEl>
-                                          <p:spTgt spid="46"/>
+                                          <p:spTgt spid="48"/>
                                         </p:tgtEl>
                                         <p:attrNameLst>
                                           <p:attrName>style.visibility</p:attrName>
@@ -5817,7 +5839,7 @@
                                           </p:stCondLst>
                                         </p:cTn>
                                         <p:tgtEl>
-                                          <p:spTgt spid="47"/>
+                                          <p:spTgt spid="51"/>
                                         </p:tgtEl>
                                         <p:attrNameLst>
                                           <p:attrName>style.visibility</p:attrName>
@@ -5844,7 +5866,7 @@
                                           </p:stCondLst>
                                         </p:cTn>
                                         <p:tgtEl>
-                                          <p:spTgt spid="47"/>
+                                          <p:spTgt spid="51"/>
                                         </p:tgtEl>
                                         <p:attrNameLst>
                                           <p:attrName>style.visibility</p:attrName>
@@ -5871,87 +5893,6 @@
                                           </p:stCondLst>
                                         </p:cTn>
                                         <p:tgtEl>
-                                          <p:spTgt spid="48"/>
-                                        </p:tgtEl>
-                                        <p:attrNameLst>
-                                          <p:attrName>style.visibility</p:attrName>
-                                        </p:attrNameLst>
-                                      </p:cBhvr>
-                                      <p:to>
-                                        <p:strVal val="hidden"/>
-                                      </p:to>
-                                    </p:set>
-                                  </p:childTnLst>
-                                </p:cTn>
-                              </p:par>
-                              <p:par>
-                                <p:cTn id="57" presetID="1" presetClass="entr" presetSubtype="0" fill="hold" grpId="0" nodeType="withEffect">
-                                  <p:stCondLst>
-                                    <p:cond delay="0"/>
-                                  </p:stCondLst>
-                                  <p:childTnLst>
-                                    <p:set>
-                                      <p:cBhvr>
-                                        <p:cTn id="58" dur="1" fill="hold">
-                                          <p:stCondLst>
-                                            <p:cond delay="0"/>
-                                          </p:stCondLst>
-                                        </p:cTn>
-                                        <p:tgtEl>
-                                          <p:spTgt spid="51"/>
-                                        </p:tgtEl>
-                                        <p:attrNameLst>
-                                          <p:attrName>style.visibility</p:attrName>
-                                        </p:attrNameLst>
-                                      </p:cBhvr>
-                                      <p:to>
-                                        <p:strVal val="visible"/>
-                                      </p:to>
-                                    </p:set>
-                                  </p:childTnLst>
-                                </p:cTn>
-                              </p:par>
-                              <p:par>
-                                <p:cTn id="59" presetID="1" presetClass="exit" presetSubtype="0" fill="hold" grpId="1" nodeType="withEffect">
-                                  <p:stCondLst>
-                                    <p:cond delay="0"/>
-                                  </p:stCondLst>
-                                  <p:childTnLst>
-                                    <p:set>
-                                      <p:cBhvr>
-                                        <p:cTn id="60" dur="1" fill="hold">
-                                          <p:stCondLst>
-                                            <p:cond delay="0"/>
-                                          </p:stCondLst>
-                                        </p:cTn>
-                                        <p:tgtEl>
-                                          <p:spTgt spid="51"/>
-                                        </p:tgtEl>
-                                        <p:attrNameLst>
-                                          <p:attrName>style.visibility</p:attrName>
-                                        </p:attrNameLst>
-                                      </p:cBhvr>
-                                      <p:to>
-                                        <p:strVal val="hidden"/>
-                                      </p:to>
-                                    </p:set>
-                                  </p:childTnLst>
-                                </p:cTn>
-                              </p:par>
-                              <p:par>
-                                <p:cTn id="61" presetID="1" presetClass="exit" presetSubtype="0" fill="hold" grpId="0" nodeType="withEffect">
-                                  <p:stCondLst>
-                                    <p:cond delay="0"/>
-                                  </p:stCondLst>
-                                  <p:childTnLst>
-                                    <p:set>
-                                      <p:cBhvr>
-                                        <p:cTn id="62" dur="1" fill="hold">
-                                          <p:stCondLst>
-                                            <p:cond delay="0"/>
-                                          </p:stCondLst>
-                                        </p:cTn>
-                                        <p:tgtEl>
                                           <p:spTgt spid="52"/>
                                         </p:tgtEl>
                                         <p:attrNameLst>
@@ -5966,14 +5907,14 @@
                                 </p:cTn>
                               </p:par>
                               <p:par>
-                                <p:cTn id="63" presetID="1" presetClass="exit" presetSubtype="0" fill="hold" grpId="0" nodeType="withEffect">
+                                <p:cTn id="57" presetID="1" presetClass="exit" presetSubtype="0" fill="hold" grpId="0" nodeType="withEffect">
                                   <p:stCondLst>
                                     <p:cond delay="0"/>
                                   </p:stCondLst>
                                   <p:childTnLst>
                                     <p:set>
                                       <p:cBhvr>
-                                        <p:cTn id="64" dur="1" fill="hold">
+                                        <p:cTn id="58" dur="1" fill="hold">
                                           <p:stCondLst>
                                             <p:cond delay="0"/>
                                           </p:stCondLst>
@@ -5993,14 +5934,14 @@
                                 </p:cTn>
                               </p:par>
                               <p:par>
-                                <p:cTn id="65" presetID="1" presetClass="exit" presetSubtype="0" fill="hold" grpId="0" nodeType="withEffect">
+                                <p:cTn id="59" presetID="1" presetClass="exit" presetSubtype="0" fill="hold" grpId="0" nodeType="withEffect">
                                   <p:stCondLst>
                                     <p:cond delay="0"/>
                                   </p:stCondLst>
                                   <p:childTnLst>
                                     <p:set>
                                       <p:cBhvr>
-                                        <p:cTn id="66" dur="1" fill="hold">
+                                        <p:cTn id="60" dur="1" fill="hold">
                                           <p:stCondLst>
                                             <p:cond delay="0"/>
                                           </p:stCondLst>
@@ -6048,7 +5989,6 @@
     </p:tnLst>
     <p:bldLst>
       <p:bldP spid="5" grpId="0" animBg="1"/>
-      <p:bldP spid="6" grpId="0" animBg="1"/>
       <p:bldP spid="18" grpId="0" animBg="1"/>
       <p:bldP spid="19" grpId="0" animBg="1"/>
       <p:bldP spid="20" grpId="0" animBg="1"/>
@@ -6062,8 +6002,6 @@
       <p:bldP spid="33" grpId="0" animBg="1"/>
       <p:bldP spid="34" grpId="0" animBg="1"/>
       <p:bldP spid="38" grpId="0"/>
-      <p:bldP spid="42" grpId="0" animBg="1"/>
-      <p:bldP spid="43" grpId="0" animBg="1"/>
       <p:bldP spid="45" grpId="0" animBg="1"/>
       <p:bldP spid="45" grpId="1" animBg="1"/>
       <p:bldP spid="46" grpId="0" animBg="1"/>

--- a/docs/slides/SetBudget.pptx
+++ b/docs/slides/SetBudget.pptx
@@ -208,7 +208,7 @@
           <a:p>
             <a:fld id="{9629A0FB-7277-41B0-BEC2-EE35F8B0CE39}" type="datetimeFigureOut">
               <a:rPr lang="en-SG" smtClean="0"/>
-              <a:t>5/4/2020</a:t>
+              <a:t>9/4/2020</a:t>
             </a:fld>
             <a:endParaRPr lang="en-SG"/>
           </a:p>
@@ -5003,15 +5003,14 @@
           <a:p>
             <a:pPr algn="ctr"/>
             <a:r>
-              <a:rPr lang="en-SG" sz="1300" dirty="0">
-                <a:latin typeface="Calibri"/>
+              <a:rPr lang="en-SG" sz="1500" dirty="0">
                 <a:ea typeface="Calibri"/>
                 <a:cs typeface="Calibri"/>
                 <a:sym typeface="Calibri"/>
               </a:rPr>
               <a:t>:Duke</a:t>
             </a:r>
-            <a:endParaRPr sz="1300" dirty="0"/>
+            <a:endParaRPr sz="1500" dirty="0"/>
           </a:p>
         </p:txBody>
       </p:sp>
@@ -5084,15 +5083,14 @@
           <a:p>
             <a:pPr algn="ctr"/>
             <a:r>
-              <a:rPr lang="en" sz="1300" dirty="0">
-                <a:latin typeface="Calibri"/>
+              <a:rPr lang="en" sz="1500" dirty="0">
                 <a:ea typeface="Calibri"/>
                 <a:cs typeface="Calibri"/>
                 <a:sym typeface="Calibri"/>
               </a:rPr>
               <a:t>:Parser</a:t>
             </a:r>
-            <a:endParaRPr sz="1300" dirty="0"/>
+            <a:endParaRPr sz="1500" dirty="0"/>
           </a:p>
         </p:txBody>
       </p:sp>
@@ -5110,8 +5108,8 @@
         </p:nvSpPr>
         <p:spPr>
           <a:xfrm>
-            <a:off x="7543800" y="3487267"/>
-            <a:ext cx="1504119" cy="703733"/>
+            <a:off x="7467600" y="3563467"/>
+            <a:ext cx="1580319" cy="703733"/>
           </a:xfrm>
           <a:prstGeom prst="rect">
             <a:avLst/>
@@ -5164,7 +5162,7 @@
           <a:lstStyle/>
           <a:p>
             <a:pPr algn="ctr"/>
-            <a:endParaRPr lang="en-US" sz="1400" dirty="0">
+            <a:endParaRPr lang="en-US" sz="1500" dirty="0">
               <a:solidFill>
                 <a:prstClr val="black"/>
               </a:solidFill>
@@ -5173,14 +5171,14 @@
           <a:p>
             <a:pPr algn="ctr"/>
             <a:r>
-              <a:rPr lang="en-US" sz="1400" dirty="0" err="1">
+              <a:rPr lang="en-US" sz="1500" dirty="0" err="1">
                 <a:solidFill>
                   <a:prstClr val="black"/>
                 </a:solidFill>
               </a:rPr>
               <a:t>myBudget:Budget</a:t>
             </a:r>
-            <a:endParaRPr lang="en-US" sz="1400" dirty="0">
+            <a:endParaRPr lang="en-US" sz="1500" dirty="0">
               <a:solidFill>
                 <a:prstClr val="black"/>
               </a:solidFill>
@@ -5188,7 +5186,7 @@
           </a:p>
           <a:p>
             <a:pPr algn="ctr"/>
-            <a:endParaRPr sz="1300" dirty="0"/>
+            <a:endParaRPr sz="1500" dirty="0"/>
           </a:p>
         </p:txBody>
       </p:sp>
